--- a/Electron.pptx
+++ b/Electron.pptx
@@ -37,7 +37,6 @@
     <p:sldId id="282" r:id="rId34"/>
     <p:sldId id="283" r:id="rId35"/>
     <p:sldId id="284" r:id="rId36"/>
-    <p:sldId id="285" r:id="rId37"/>
   </p:sldIdLst>
   <p:sldSz cx="13004800" cy="9753600"/>
   <p:notesSz cx="6858000" cy="9144000"/>
@@ -3666,7 +3665,12 @@
           <a:bodyPr/>
           <a:lstStyle>
             <a:lvl1pPr>
-              <a:defRPr sz="1800"/>
+              <a:defRPr sz="1800">
+                <a:latin typeface="Phosphate Inline"/>
+                <a:ea typeface="Phosphate Inline"/>
+                <a:cs typeface="Phosphate Inline"/>
+                <a:sym typeface="Phosphate Inline"/>
+              </a:defRPr>
             </a:lvl1pPr>
           </a:lstStyle>
           <a:p>
@@ -4445,13 +4449,45 @@
       </p:grpSpPr>
       <p:sp>
         <p:nvSpPr>
-          <p:cNvPr id="174" name="Live Reloads"/>
+          <p:cNvPr id="174" name="Let’s talk Deployment"/>
           <p:cNvSpPr txBox="1"/>
           <p:nvPr>
             <p:ph type="title"/>
           </p:nvPr>
         </p:nvSpPr>
         <p:spPr>
+          <a:prstGeom prst="rect">
+            <a:avLst/>
+          </a:prstGeom>
+        </p:spPr>
+        <p:txBody>
+          <a:bodyPr/>
+          <a:lstStyle>
+            <a:lvl1pPr>
+              <a:defRPr sz="6000"/>
+            </a:lvl1pPr>
+          </a:lstStyle>
+          <a:p>
+            <a:pPr/>
+            <a:r>
+              <a:t>Let’s talk Deployment</a:t>
+            </a:r>
+          </a:p>
+        </p:txBody>
+      </p:sp>
+      <p:sp>
+        <p:nvSpPr>
+          <p:cNvPr id="175" name="npm install --save-dev electron-builder…"/>
+          <p:cNvSpPr txBox="1"/>
+          <p:nvPr>
+            <p:ph type="body" idx="1"/>
+          </p:nvPr>
+        </p:nvSpPr>
+        <p:spPr>
+          <a:xfrm>
+            <a:off x="1270000" y="2781300"/>
+            <a:ext cx="10464800" cy="5740400"/>
+          </a:xfrm>
           <a:prstGeom prst="rect">
             <a:avLst/>
           </a:prstGeom>
@@ -4460,41 +4496,6 @@
           <a:bodyPr/>
           <a:lstStyle/>
           <a:p>
-            <a:pPr/>
-            <a:r>
-              <a:t>Live Reloads</a:t>
-            </a:r>
-          </a:p>
-        </p:txBody>
-      </p:sp>
-      <p:sp>
-        <p:nvSpPr>
-          <p:cNvPr id="175" name="instead of always stopping and starting…"/>
-          <p:cNvSpPr txBox="1"/>
-          <p:nvPr>
-            <p:ph type="body" idx="1"/>
-          </p:nvPr>
-        </p:nvSpPr>
-        <p:spPr>
-          <a:prstGeom prst="rect">
-            <a:avLst/>
-          </a:prstGeom>
-        </p:spPr>
-        <p:txBody>
-          <a:bodyPr/>
-          <a:lstStyle/>
-          <a:p>
-            <a:pPr marL="571499" indent="-571499">
-              <a:buBlip>
-                <a:blip r:embed="rId2"/>
-              </a:buBlip>
-              <a:defRPr sz="2800"/>
-            </a:pPr>
-            <a:r>
-              <a:t>instead of always stopping and starting</a:t>
-            </a:r>
-          </a:p>
-          <a:p>
             <a:pPr marL="734785" indent="-734785">
               <a:buBlip>
                 <a:blip r:embed="rId2"/>
@@ -4506,7 +4507,7 @@
               <a:t> </a:t>
             </a:r>
             <a:r>
-              <a:t>npm install --save-dev electron-reload</a:t>
+              <a:t>npm install --save-dev electron-builder</a:t>
             </a:r>
           </a:p>
           <a:p>
@@ -4516,7 +4517,7 @@
               </a:buBlip>
             </a:pPr>
             <a:r>
-              <a:t>reloads browser as updates occur</a:t>
+              <a:t>modify package.json</a:t>
             </a:r>
           </a:p>
           <a:p>
@@ -4526,7 +4527,7 @@
               </a:buBlip>
             </a:pPr>
             <a:r>
-              <a:t>Note: When deploying app comment out live reload code</a:t>
+              <a:t>voila! dmg and .app created!</a:t>
             </a:r>
           </a:p>
         </p:txBody>
@@ -4559,7 +4560,7 @@
       </p:grpSpPr>
       <p:sp>
         <p:nvSpPr>
-          <p:cNvPr id="177" name="Debug via Console"/>
+          <p:cNvPr id="177" name="Code Signing"/>
           <p:cNvSpPr txBox="1"/>
           <p:nvPr>
             <p:ph type="title"/>
@@ -4576,14 +4577,14 @@
           <a:p>
             <a:pPr/>
             <a:r>
-              <a:t>Debug via Console</a:t>
-            </a:r>
-          </a:p>
-        </p:txBody>
-      </p:sp>
-      <p:sp>
-        <p:nvSpPr>
-          <p:cNvPr id="178" name="Console.log will work in Electron…"/>
+              <a:t>Code Signing</a:t>
+            </a:r>
+          </a:p>
+        </p:txBody>
+      </p:sp>
+      <p:sp>
+        <p:nvSpPr>
+          <p:cNvPr id="178" name="Windows - Certificate Authority…"/>
           <p:cNvSpPr txBox="1"/>
           <p:nvPr>
             <p:ph type="body" idx="1"/>
@@ -4604,7 +4605,7 @@
               </a:buBlip>
             </a:pPr>
             <a:r>
-              <a:t>Console.log will work in Electron</a:t>
+              <a:t>Windows - Certificate Authority</a:t>
             </a:r>
           </a:p>
           <a:p>
@@ -4614,7 +4615,17 @@
               </a:buBlip>
             </a:pPr>
             <a:r>
-              <a:t>Main process goes to terminal running application</a:t>
+              <a:t>Mac - Apple Developer Program</a:t>
+            </a:r>
+          </a:p>
+          <a:p>
+            <a:pPr lvl="1">
+              <a:buBlip>
+                <a:blip r:embed="rId2"/>
+              </a:buBlip>
+            </a:pPr>
+            <a:r>
+              <a:t>KeyChain Access</a:t>
             </a:r>
           </a:p>
           <a:p>
@@ -4624,7 +4635,7 @@
               </a:buBlip>
             </a:pPr>
             <a:r>
-              <a:t>renderer process goes to browser window console</a:t>
+              <a:t>Use Self-Signed Certificate for Development</a:t>
             </a:r>
           </a:p>
         </p:txBody>
@@ -4657,7 +4668,53 @@
       </p:grpSpPr>
       <p:sp>
         <p:nvSpPr>
-          <p:cNvPr id="180" name="I like the DevTools, I want the DevTools, I just don’t want them displayed by default?"/>
+          <p:cNvPr id="180" name="Oval"/>
+          <p:cNvSpPr/>
+          <p:nvPr/>
+        </p:nvSpPr>
+        <p:spPr>
+          <a:xfrm>
+            <a:off x="7302536" y="3783941"/>
+            <a:ext cx="4528514" cy="4420917"/>
+          </a:xfrm>
+          <a:prstGeom prst="ellipse">
+            <a:avLst/>
+          </a:prstGeom>
+          <a:solidFill>
+            <a:srgbClr val="FFFFFF"/>
+          </a:solidFill>
+          <a:ln w="12700">
+            <a:miter lim="400000"/>
+          </a:ln>
+          <a:effectLst>
+            <a:outerShdw sx="100000" sy="100000" kx="0" ky="0" algn="b" rotWithShape="0" blurRad="63500" dist="0" dir="16200000">
+              <a:srgbClr val="000000">
+                <a:alpha val="50000"/>
+              </a:srgbClr>
+            </a:outerShdw>
+          </a:effectLst>
+        </p:spPr>
+        <p:txBody>
+          <a:bodyPr lIns="50800" tIns="50800" rIns="50800" bIns="50800" anchor="ctr"/>
+          <a:lstStyle/>
+          <a:p>
+            <a:pPr>
+              <a:defRPr sz="3200">
+                <a:effectLst>
+                  <a:outerShdw sx="100000" sy="100000" kx="0" ky="0" algn="b" rotWithShape="0" blurRad="63500" dist="25400" dir="2700000">
+                    <a:srgbClr val="000000">
+                      <a:alpha val="70000"/>
+                    </a:srgbClr>
+                  </a:outerShdw>
+                </a:effectLst>
+              </a:defRPr>
+            </a:pPr>
+          </a:p>
+        </p:txBody>
+      </p:sp>
+      <p:sp>
+        <p:nvSpPr>
+          <p:cNvPr id="181" name="Publishing"/>
           <p:cNvSpPr txBox="1"/>
           <p:nvPr>
             <p:ph type="title"/>
@@ -4670,19 +4727,82 @@
         </p:spPr>
         <p:txBody>
           <a:bodyPr/>
-          <a:lstStyle>
-            <a:lvl1pPr defTabSz="288036">
-              <a:defRPr sz="4536"/>
-            </a:lvl1pPr>
-          </a:lstStyle>
+          <a:lstStyle/>
           <a:p>
             <a:pPr/>
             <a:r>
-              <a:t>I like the DevTools, I want the DevTools, I just don’t want them displayed by default?</a:t>
-            </a:r>
-          </a:p>
-        </p:txBody>
-      </p:sp>
+              <a:t>Publishing</a:t>
+            </a:r>
+          </a:p>
+        </p:txBody>
+      </p:sp>
+      <p:sp>
+        <p:nvSpPr>
+          <p:cNvPr id="182" name="GitHub, Amazon, WebSite, ……"/>
+          <p:cNvSpPr txBox="1"/>
+          <p:nvPr>
+            <p:ph type="body" sz="half" idx="1"/>
+          </p:nvPr>
+        </p:nvSpPr>
+        <p:spPr>
+          <a:prstGeom prst="rect">
+            <a:avLst/>
+          </a:prstGeom>
+        </p:spPr>
+        <p:txBody>
+          <a:bodyPr/>
+          <a:lstStyle/>
+          <a:p>
+            <a:pPr>
+              <a:buBlip>
+                <a:blip r:embed="rId2"/>
+              </a:buBlip>
+            </a:pPr>
+            <a:r>
+              <a:t>GitHub, Amazon, WebSite, …</a:t>
+            </a:r>
+          </a:p>
+          <a:p>
+            <a:pPr>
+              <a:buBlip>
+                <a:blip r:embed="rId2"/>
+              </a:buBlip>
+            </a:pPr>
+            <a:r>
+              <a:t>Idea is making releases available for updating</a:t>
+            </a:r>
+          </a:p>
+        </p:txBody>
+      </p:sp>
+      <p:pic>
+        <p:nvPicPr>
+          <p:cNvPr id="183" name="Image" descr="Image"/>
+          <p:cNvPicPr>
+            <a:picLocks noChangeAspect="1"/>
+          </p:cNvPicPr>
+          <p:nvPr/>
+        </p:nvPicPr>
+        <p:blipFill>
+          <a:blip r:embed="rId3">
+            <a:extLst/>
+          </a:blip>
+          <a:stretch>
+            <a:fillRect/>
+          </a:stretch>
+        </p:blipFill>
+        <p:spPr>
+          <a:xfrm>
+            <a:off x="7117874" y="3358089"/>
+            <a:ext cx="4897838" cy="4897838"/>
+          </a:xfrm>
+          <a:prstGeom prst="rect">
+            <a:avLst/>
+          </a:prstGeom>
+          <a:ln w="88900">
+            <a:miter lim="400000"/>
+          </a:ln>
+        </p:spPr>
+      </p:pic>
     </p:spTree>
   </p:cSld>
   <p:clrMapOvr>
@@ -4888,13 +5008,17 @@
       </p:grpSpPr>
       <p:sp>
         <p:nvSpPr>
-          <p:cNvPr id="182" name="Hiding DevTools"/>
+          <p:cNvPr id="185" name="Auto Update"/>
           <p:cNvSpPr txBox="1"/>
           <p:nvPr>
             <p:ph type="title"/>
           </p:nvPr>
         </p:nvSpPr>
         <p:spPr>
+          <a:xfrm>
+            <a:off x="1270000" y="215900"/>
+            <a:ext cx="10464800" cy="2540000"/>
+          </a:xfrm>
           <a:prstGeom prst="rect">
             <a:avLst/>
           </a:prstGeom>
@@ -4905,14 +5029,14 @@
           <a:p>
             <a:pPr/>
             <a:r>
-              <a:t>Hiding DevTools</a:t>
-            </a:r>
-          </a:p>
-        </p:txBody>
-      </p:sp>
-      <p:sp>
-        <p:nvSpPr>
-          <p:cNvPr id="183" name="KeyBoard Shortcuts……"/>
+              <a:t>Auto Update</a:t>
+            </a:r>
+          </a:p>
+        </p:txBody>
+      </p:sp>
+      <p:sp>
+        <p:nvSpPr>
+          <p:cNvPr id="186" name="App can check for updates…"/>
           <p:cNvSpPr txBox="1"/>
           <p:nvPr>
             <p:ph type="body" idx="1"/>
@@ -4927,33 +5051,73 @@
           <a:bodyPr/>
           <a:lstStyle/>
           <a:p>
-            <a:pPr>
+            <a:pPr marL="531494" indent="-531494" defTabSz="425195">
+              <a:spcBef>
+                <a:spcPts val="3300"/>
+              </a:spcBef>
               <a:buBlip>
                 <a:blip r:embed="rId2"/>
               </a:buBlip>
-            </a:pPr>
-            <a:r>
-              <a:t>KeyBoard Shortcuts… </a:t>
-            </a:r>
-          </a:p>
-          <a:p>
-            <a:pPr>
+              <a:defRPr sz="3348"/>
+            </a:pPr>
+            <a:r>
+              <a:t>App can check for updates</a:t>
+            </a:r>
+          </a:p>
+          <a:p>
+            <a:pPr marL="531494" indent="-531494" defTabSz="425195">
+              <a:spcBef>
+                <a:spcPts val="3300"/>
+              </a:spcBef>
               <a:buBlip>
                 <a:blip r:embed="rId2"/>
               </a:buBlip>
-            </a:pPr>
-            <a:r>
-              <a:t>modify main.js and put some listeners for certain events… </a:t>
-            </a:r>
-          </a:p>
-          <a:p>
-            <a:pPr>
+              <a:defRPr sz="3348"/>
+            </a:pPr>
+            <a:r>
+              <a:t>You can determine when to check for updates</a:t>
+            </a:r>
+          </a:p>
+          <a:p>
+            <a:pPr lvl="1" marL="1062989" indent="-531494" defTabSz="425195">
+              <a:spcBef>
+                <a:spcPts val="3300"/>
+              </a:spcBef>
               <a:buBlip>
                 <a:blip r:embed="rId2"/>
               </a:buBlip>
-            </a:pPr>
-            <a:r>
-              <a:t>Let’s make DevTools CmdOrCtrl+D</a:t>
+              <a:defRPr sz="3348"/>
+            </a:pPr>
+            <a:r>
+              <a:t>At Startup -&gt; App.ready</a:t>
+            </a:r>
+          </a:p>
+          <a:p>
+            <a:pPr lvl="1" marL="1062989" indent="-531494" defTabSz="425195">
+              <a:spcBef>
+                <a:spcPts val="3300"/>
+              </a:spcBef>
+              <a:buBlip>
+                <a:blip r:embed="rId2"/>
+              </a:buBlip>
+              <a:defRPr sz="3348"/>
+            </a:pPr>
+            <a:r>
+              <a:t>Menu Option</a:t>
+            </a:r>
+          </a:p>
+          <a:p>
+            <a:pPr lvl="1" marL="1062989" indent="-531494" defTabSz="425195">
+              <a:spcBef>
+                <a:spcPts val="3300"/>
+              </a:spcBef>
+              <a:buBlip>
+                <a:blip r:embed="rId2"/>
+              </a:buBlip>
+              <a:defRPr sz="3348"/>
+            </a:pPr>
+            <a:r>
+              <a:t>Continuously on some interval</a:t>
             </a:r>
           </a:p>
         </p:txBody>
@@ -4986,10 +5150,10 @@
       </p:grpSpPr>
       <p:sp>
         <p:nvSpPr>
-          <p:cNvPr id="185" name="// Open the DevTools.…"/>
+          <p:cNvPr id="188" name="Updating"/>
           <p:cNvSpPr txBox="1"/>
           <p:nvPr>
-            <p:ph type="body" idx="1"/>
+            <p:ph type="title"/>
           </p:nvPr>
         </p:nvSpPr>
         <p:spPr>
@@ -5001,111 +5165,57 @@
           <a:bodyPr/>
           <a:lstStyle/>
           <a:p>
-            <a:pPr marL="0" indent="0">
-              <a:buSzTx/>
-              <a:buNone/>
-              <a:defRPr sz="2800"/>
-            </a:pPr>
-            <a:r>
-              <a:t>// Open the DevTools.</a:t>
-            </a:r>
-          </a:p>
-          <a:p>
-            <a:pPr marL="0" indent="0">
-              <a:buSzTx/>
-              <a:buNone/>
-              <a:defRPr sz="2800"/>
-            </a:pPr>
-            <a:r>
-              <a:rPr>
-                <a:solidFill>
-                  <a:schemeClr val="accent3"/>
-                </a:solidFill>
-              </a:rPr>
-              <a:t>globalShortcut.register('CmdOrCtrl+D'</a:t>
-            </a:r>
-            <a:r>
-              <a:t>, </a:t>
-            </a:r>
-            <a:r>
-              <a:rPr>
-                <a:solidFill>
-                  <a:schemeClr val="accent6"/>
-                </a:solidFill>
-              </a:rPr>
-              <a:t>() =&gt; {</a:t>
-            </a:r>
-            <a:endParaRPr>
-              <a:solidFill>
-                <a:schemeClr val="accent6"/>
-              </a:solidFill>
-            </a:endParaRPr>
-          </a:p>
-          <a:p>
-            <a:pPr marL="0" indent="0">
-              <a:buSzTx/>
-              <a:buNone/>
-              <a:defRPr sz="2800">
-                <a:solidFill>
-                  <a:schemeClr val="accent6"/>
-                </a:solidFill>
-              </a:defRPr>
-            </a:pPr>
-            <a:r>
-              <a:t>  win.webContents.openDevTools()</a:t>
-            </a:r>
-          </a:p>
-          <a:p>
-            <a:pPr marL="0" indent="0">
-              <a:buSzTx/>
-              <a:buNone/>
-              <a:defRPr sz="2800"/>
-            </a:pPr>
-            <a:r>
-              <a:rPr>
-                <a:solidFill>
-                  <a:schemeClr val="accent6"/>
-                </a:solidFill>
-              </a:rPr>
-              <a:t>}</a:t>
-            </a:r>
-            <a:r>
-              <a:t>)</a:t>
-            </a:r>
-          </a:p>
-          <a:p>
-            <a:pPr marL="0" indent="0">
-              <a:buSzTx/>
-              <a:buNone/>
-              <a:defRPr sz="2800"/>
-            </a:pPr>
-          </a:p>
-          <a:p>
-            <a:pPr marL="0" indent="0">
-              <a:buSzTx/>
-              <a:buNone/>
-              <a:defRPr sz="2800">
-                <a:solidFill>
-                  <a:schemeClr val="accent3"/>
-                </a:solidFill>
-              </a:defRPr>
-            </a:pPr>
-            <a:r>
-              <a:t>registering the key</a:t>
-            </a:r>
-          </a:p>
-          <a:p>
-            <a:pPr marL="0" indent="0">
-              <a:buSzTx/>
-              <a:buNone/>
-              <a:defRPr sz="2800">
-                <a:solidFill>
-                  <a:schemeClr val="accent6"/>
-                </a:solidFill>
-              </a:defRPr>
-            </a:pPr>
-            <a:r>
-              <a:t>event handler when key pressed</a:t>
+            <a:pPr/>
+            <a:r>
+              <a:t>Updating</a:t>
+            </a:r>
+          </a:p>
+        </p:txBody>
+      </p:sp>
+      <p:sp>
+        <p:nvSpPr>
+          <p:cNvPr id="189" name="Normal Development lifecycle…"/>
+          <p:cNvSpPr txBox="1"/>
+          <p:nvPr>
+            <p:ph type="body" idx="1"/>
+          </p:nvPr>
+        </p:nvSpPr>
+        <p:spPr>
+          <a:prstGeom prst="rect">
+            <a:avLst/>
+          </a:prstGeom>
+        </p:spPr>
+        <p:txBody>
+          <a:bodyPr/>
+          <a:lstStyle/>
+          <a:p>
+            <a:pPr>
+              <a:buBlip>
+                <a:blip r:embed="rId2"/>
+              </a:buBlip>
+            </a:pPr>
+            <a:r>
+              <a:t>Normal Development lifecycle </a:t>
+            </a:r>
+          </a:p>
+          <a:p>
+            <a:pPr>
+              <a:buBlip>
+                <a:blip r:embed="rId2"/>
+              </a:buBlip>
+            </a:pPr>
+            <a:r>
+              <a:t>When Ready Publish to location being checked</a:t>
+            </a:r>
+          </a:p>
+          <a:p>
+            <a:pPr>
+              <a:buBlip>
+                <a:blip r:embed="rId2"/>
+              </a:buBlip>
+            </a:pPr>
+            <a:r>
+              <a:t>Voila! If coded right, user will be prompted or automatically updated</a:t>
             </a:r>
           </a:p>
         </p:txBody>
@@ -5138,38 +5248,10 @@
       </p:grpSpPr>
       <p:sp>
         <p:nvSpPr>
-          <p:cNvPr id="187" name="Let’s talk Deployment"/>
+          <p:cNvPr id="191" name="Recap"/>
           <p:cNvSpPr txBox="1"/>
           <p:nvPr>
             <p:ph type="title"/>
-          </p:nvPr>
-        </p:nvSpPr>
-        <p:spPr>
-          <a:prstGeom prst="rect">
-            <a:avLst/>
-          </a:prstGeom>
-        </p:spPr>
-        <p:txBody>
-          <a:bodyPr/>
-          <a:lstStyle>
-            <a:lvl1pPr>
-              <a:defRPr sz="6000"/>
-            </a:lvl1pPr>
-          </a:lstStyle>
-          <a:p>
-            <a:pPr/>
-            <a:r>
-              <a:t>Let’s talk Deployment</a:t>
-            </a:r>
-          </a:p>
-        </p:txBody>
-      </p:sp>
-      <p:sp>
-        <p:nvSpPr>
-          <p:cNvPr id="188" name="npm install --save-dev electron-builder…"/>
-          <p:cNvSpPr txBox="1"/>
-          <p:nvPr>
-            <p:ph type="body" idx="1"/>
           </p:nvPr>
         </p:nvSpPr>
         <p:spPr>
@@ -5181,18 +5263,37 @@
           <a:bodyPr/>
           <a:lstStyle/>
           <a:p>
-            <a:pPr marL="734785" indent="-734785">
+            <a:pPr/>
+            <a:r>
+              <a:t>Recap</a:t>
+            </a:r>
+          </a:p>
+        </p:txBody>
+      </p:sp>
+      <p:sp>
+        <p:nvSpPr>
+          <p:cNvPr id="192" name="Electron - Javascript on the Desktop…"/>
+          <p:cNvSpPr txBox="1"/>
+          <p:nvPr>
+            <p:ph type="body" idx="1"/>
+          </p:nvPr>
+        </p:nvSpPr>
+        <p:spPr>
+          <a:prstGeom prst="rect">
+            <a:avLst/>
+          </a:prstGeom>
+        </p:spPr>
+        <p:txBody>
+          <a:bodyPr/>
+          <a:lstStyle/>
+          <a:p>
+            <a:pPr>
               <a:buBlip>
                 <a:blip r:embed="rId2"/>
               </a:buBlip>
-              <a:defRPr sz="2800"/>
-            </a:pPr>
-            <a:r>
-              <a:rPr sz="3600"/>
-              <a:t> </a:t>
-            </a:r>
-            <a:r>
-              <a:t>npm install --save-dev electron-builder</a:t>
+            </a:pPr>
+            <a:r>
+              <a:t>Electron - Javascript on the Desktop</a:t>
             </a:r>
           </a:p>
           <a:p>
@@ -5202,7 +5303,7 @@
               </a:buBlip>
             </a:pPr>
             <a:r>
-              <a:t>modify package.json</a:t>
+              <a:t>Creating an Application</a:t>
             </a:r>
           </a:p>
           <a:p>
@@ -5212,7 +5313,7 @@
               </a:buBlip>
             </a:pPr>
             <a:r>
-              <a:t>voila! dmg and .app created!</a:t>
+              <a:t>Packaging | Code Signing | Updating</a:t>
             </a:r>
           </a:p>
         </p:txBody>
@@ -5245,7 +5346,7 @@
       </p:grpSpPr>
       <p:sp>
         <p:nvSpPr>
-          <p:cNvPr id="190" name="Code Signing"/>
+          <p:cNvPr id="194" name="Packages Used"/>
           <p:cNvSpPr txBox="1"/>
           <p:nvPr>
             <p:ph type="title"/>
@@ -5262,14 +5363,14 @@
           <a:p>
             <a:pPr/>
             <a:r>
-              <a:t>Code Signing</a:t>
-            </a:r>
-          </a:p>
-        </p:txBody>
-      </p:sp>
-      <p:sp>
-        <p:nvSpPr>
-          <p:cNvPr id="191" name="Windows - Certificate Authority…"/>
+              <a:t>Packages Used</a:t>
+            </a:r>
+          </a:p>
+        </p:txBody>
+      </p:sp>
+      <p:sp>
+        <p:nvSpPr>
+          <p:cNvPr id="195" name="electron…"/>
           <p:cNvSpPr txBox="1"/>
           <p:nvPr>
             <p:ph type="body" idx="1"/>
@@ -5290,7 +5391,7 @@
               </a:buBlip>
             </a:pPr>
             <a:r>
-              <a:t>Windows - Certificate Authority</a:t>
+              <a:t>electron</a:t>
             </a:r>
           </a:p>
           <a:p>
@@ -5300,17 +5401,17 @@
               </a:buBlip>
             </a:pPr>
             <a:r>
-              <a:t>Mac - Apple Developer Program</a:t>
-            </a:r>
-          </a:p>
-          <a:p>
-            <a:pPr lvl="1">
+              <a:t>electron-builder</a:t>
+            </a:r>
+          </a:p>
+          <a:p>
+            <a:pPr>
               <a:buBlip>
                 <a:blip r:embed="rId2"/>
               </a:buBlip>
             </a:pPr>
             <a:r>
-              <a:t>KeyChain Access</a:t>
+              <a:t>electron-log</a:t>
             </a:r>
           </a:p>
           <a:p>
@@ -5320,7 +5421,7 @@
               </a:buBlip>
             </a:pPr>
             <a:r>
-              <a:t>Use Self-Signed Certificate for Development</a:t>
+              <a:t>electron-updater</a:t>
             </a:r>
           </a:p>
         </p:txBody>
@@ -5353,59 +5454,17 @@
       </p:grpSpPr>
       <p:sp>
         <p:nvSpPr>
-          <p:cNvPr id="193" name="Oval"/>
-          <p:cNvSpPr/>
-          <p:nvPr/>
+          <p:cNvPr id="197" name="Helpful Links"/>
+          <p:cNvSpPr txBox="1"/>
+          <p:nvPr>
+            <p:ph type="title"/>
+          </p:nvPr>
         </p:nvSpPr>
         <p:spPr>
           <a:xfrm>
-            <a:off x="7302536" y="3783941"/>
-            <a:ext cx="4528514" cy="4420917"/>
+            <a:off x="1270000" y="203200"/>
+            <a:ext cx="10464800" cy="1317924"/>
           </a:xfrm>
-          <a:prstGeom prst="ellipse">
-            <a:avLst/>
-          </a:prstGeom>
-          <a:solidFill>
-            <a:srgbClr val="FFFFFF"/>
-          </a:solidFill>
-          <a:ln w="12700">
-            <a:miter lim="400000"/>
-          </a:ln>
-          <a:effectLst>
-            <a:outerShdw sx="100000" sy="100000" kx="0" ky="0" algn="b" rotWithShape="0" blurRad="63500" dist="0" dir="16200000">
-              <a:srgbClr val="000000">
-                <a:alpha val="50000"/>
-              </a:srgbClr>
-            </a:outerShdw>
-          </a:effectLst>
-        </p:spPr>
-        <p:txBody>
-          <a:bodyPr lIns="50800" tIns="50800" rIns="50800" bIns="50800" anchor="ctr"/>
-          <a:lstStyle/>
-          <a:p>
-            <a:pPr>
-              <a:defRPr sz="3200">
-                <a:effectLst>
-                  <a:outerShdw sx="100000" sy="100000" kx="0" ky="0" algn="b" rotWithShape="0" blurRad="63500" dist="25400" dir="2700000">
-                    <a:srgbClr val="000000">
-                      <a:alpha val="70000"/>
-                    </a:srgbClr>
-                  </a:outerShdw>
-                </a:effectLst>
-              </a:defRPr>
-            </a:pPr>
-          </a:p>
-        </p:txBody>
-      </p:sp>
-      <p:sp>
-        <p:nvSpPr>
-          <p:cNvPr id="194" name="Publishing"/>
-          <p:cNvSpPr txBox="1"/>
-          <p:nvPr>
-            <p:ph type="title"/>
-          </p:nvPr>
-        </p:nvSpPr>
-        <p:spPr>
           <a:prstGeom prst="rect">
             <a:avLst/>
           </a:prstGeom>
@@ -5416,20 +5475,24 @@
           <a:p>
             <a:pPr/>
             <a:r>
-              <a:t>Publishing</a:t>
-            </a:r>
-          </a:p>
-        </p:txBody>
-      </p:sp>
-      <p:sp>
-        <p:nvSpPr>
-          <p:cNvPr id="195" name="GitHub, Amazon, WebSite, ……"/>
+              <a:t>Helpful Links</a:t>
+            </a:r>
+          </a:p>
+        </p:txBody>
+      </p:sp>
+      <p:sp>
+        <p:nvSpPr>
+          <p:cNvPr id="198" name="https://nodejs.org/…"/>
           <p:cNvSpPr txBox="1"/>
           <p:nvPr>
-            <p:ph type="body" sz="half" idx="1"/>
-          </p:nvPr>
-        </p:nvSpPr>
-        <p:spPr>
+            <p:ph type="body" idx="1"/>
+          </p:nvPr>
+        </p:nvSpPr>
+        <p:spPr>
+          <a:xfrm>
+            <a:off x="1270000" y="1786970"/>
+            <a:ext cx="10464800" cy="6722030"/>
+          </a:xfrm>
           <a:prstGeom prst="rect">
             <a:avLst/>
           </a:prstGeom>
@@ -5444,7 +5507,10 @@
               </a:buBlip>
             </a:pPr>
             <a:r>
-              <a:t>GitHub, Amazon, WebSite, …</a:t>
+              <a:rPr u="sng">
+                <a:hlinkClick r:id="rId3" invalidUrl="" action="" tgtFrame="" tooltip="" history="1" highlightClick="0" endSnd="0"/>
+              </a:rPr>
+              <a:t>https://nodejs.org/</a:t>
             </a:r>
           </a:p>
           <a:p>
@@ -5454,40 +5520,40 @@
               </a:buBlip>
             </a:pPr>
             <a:r>
-              <a:t>Idea is making releases available for updating</a:t>
-            </a:r>
-          </a:p>
-        </p:txBody>
-      </p:sp>
-      <p:pic>
-        <p:nvPicPr>
-          <p:cNvPr id="196" name="Image" descr="Image"/>
-          <p:cNvPicPr>
-            <a:picLocks noChangeAspect="1"/>
-          </p:cNvPicPr>
-          <p:nvPr/>
-        </p:nvPicPr>
-        <p:blipFill>
-          <a:blip r:embed="rId3">
-            <a:extLst/>
-          </a:blip>
-          <a:stretch>
-            <a:fillRect/>
-          </a:stretch>
-        </p:blipFill>
-        <p:spPr>
-          <a:xfrm>
-            <a:off x="7117874" y="3358089"/>
-            <a:ext cx="4897838" cy="4897838"/>
-          </a:xfrm>
-          <a:prstGeom prst="rect">
-            <a:avLst/>
-          </a:prstGeom>
-          <a:ln w="88900">
-            <a:miter lim="400000"/>
-          </a:ln>
-        </p:spPr>
-      </p:pic>
+              <a:rPr u="sng">
+                <a:hlinkClick r:id="rId4" invalidUrl="" action="" tgtFrame="" tooltip="" history="1" highlightClick="0" endSnd="0"/>
+              </a:rPr>
+              <a:t>https://electronjs.org/</a:t>
+            </a:r>
+          </a:p>
+          <a:p>
+            <a:pPr>
+              <a:buBlip>
+                <a:blip r:embed="rId2"/>
+              </a:buBlip>
+            </a:pPr>
+            <a:r>
+              <a:rPr u="sng">
+                <a:hlinkClick r:id="rId5" invalidUrl="" action="" tgtFrame="" tooltip="" history="1" highlightClick="0" endSnd="0"/>
+              </a:rPr>
+              <a:t>https://code.visualstudio.com/</a:t>
+            </a:r>
+          </a:p>
+          <a:p>
+            <a:pPr>
+              <a:buBlip>
+                <a:blip r:embed="rId2"/>
+              </a:buBlip>
+            </a:pPr>
+            <a:r>
+              <a:rPr u="sng">
+                <a:hlinkClick r:id="rId6" invalidUrl="" action="" tgtFrame="" tooltip="" history="1" highlightClick="0" endSnd="0"/>
+              </a:rPr>
+              <a:t>https://docs.npmjs.com/files/package-lock.json</a:t>
+            </a:r>
+          </a:p>
+        </p:txBody>
+      </p:sp>
     </p:spTree>
   </p:cSld>
   <p:clrMapOvr>
@@ -5516,16 +5582,16 @@
       </p:grpSpPr>
       <p:sp>
         <p:nvSpPr>
-          <p:cNvPr id="198" name="Auto Update"/>
+          <p:cNvPr id="200" name="Victor J. Pudelski…"/>
           <p:cNvSpPr txBox="1"/>
           <p:nvPr>
-            <p:ph type="title"/>
+            <p:ph type="body" idx="13"/>
           </p:nvPr>
         </p:nvSpPr>
         <p:spPr>
           <a:xfrm>
-            <a:off x="1270000" y="215900"/>
-            <a:ext cx="10464800" cy="2540000"/>
+            <a:off x="1270000" y="6362700"/>
+            <a:ext cx="10464800" cy="1977159"/>
           </a:xfrm>
           <a:prstGeom prst="rect">
             <a:avLst/>
@@ -5535,22 +5601,50 @@
           <a:bodyPr/>
           <a:lstStyle/>
           <a:p>
-            <a:pPr/>
-            <a:r>
-              <a:t>Auto Update</a:t>
-            </a:r>
-          </a:p>
-        </p:txBody>
-      </p:sp>
-      <p:sp>
-        <p:nvSpPr>
-          <p:cNvPr id="199" name="App can check for updates…"/>
+            <a:pPr algn="l"/>
+            <a:r>
+              <a:t>Victor J. Pudelski</a:t>
+            </a:r>
+          </a:p>
+          <a:p>
+            <a:pPr algn="l"/>
+            <a:r>
+              <a:rPr u="sng">
+                <a:hlinkClick r:id="rId2" invalidUrl="" action="" tgtFrame="" tooltip="" history="1" highlightClick="0" endSnd="0"/>
+              </a:rPr>
+              <a:t>vpudelski@nextlinksoftware.com</a:t>
+            </a:r>
+          </a:p>
+          <a:p>
+            <a:pPr algn="l"/>
+            <a:r>
+              <a:t>@vjpudelski on twitter</a:t>
+            </a:r>
+          </a:p>
+          <a:p>
+            <a:pPr algn="l"/>
+            <a:r>
+              <a:rPr u="sng">
+                <a:hlinkClick r:id="rId3" invalidUrl="" action="" tgtFrame="" tooltip="" history="1" highlightClick="0" endSnd="0"/>
+              </a:rPr>
+              <a:t>www.gitfetchvictor.com</a:t>
+            </a:r>
+          </a:p>
+        </p:txBody>
+      </p:sp>
+      <p:sp>
+        <p:nvSpPr>
+          <p:cNvPr id="201" name="THANK YOU!…"/>
           <p:cNvSpPr txBox="1"/>
           <p:nvPr>
-            <p:ph type="body" idx="1"/>
-          </p:nvPr>
-        </p:nvSpPr>
-        <p:spPr>
+            <p:ph type="body" idx="14"/>
+          </p:nvPr>
+        </p:nvSpPr>
+        <p:spPr>
+          <a:xfrm>
+            <a:off x="1270000" y="2076162"/>
+            <a:ext cx="10464800" cy="2731076"/>
+          </a:xfrm>
           <a:prstGeom prst="rect">
             <a:avLst/>
           </a:prstGeom>
@@ -5559,73 +5653,68 @@
           <a:bodyPr/>
           <a:lstStyle/>
           <a:p>
-            <a:pPr marL="531494" indent="-531494" defTabSz="425195">
-              <a:spcBef>
-                <a:spcPts val="3300"/>
-              </a:spcBef>
-              <a:buBlip>
-                <a:blip r:embed="rId2"/>
-              </a:buBlip>
-              <a:defRPr sz="3348"/>
-            </a:pPr>
-            <a:r>
-              <a:t>App can check for updates</a:t>
-            </a:r>
-          </a:p>
-          <a:p>
-            <a:pPr marL="531494" indent="-531494" defTabSz="425195">
-              <a:spcBef>
-                <a:spcPts val="3300"/>
-              </a:spcBef>
-              <a:buBlip>
-                <a:blip r:embed="rId2"/>
-              </a:buBlip>
-              <a:defRPr sz="3348"/>
-            </a:pPr>
-            <a:r>
-              <a:t>You can determine when to check for updates</a:t>
-            </a:r>
-          </a:p>
-          <a:p>
-            <a:pPr lvl="1" marL="1062989" indent="-531494" defTabSz="425195">
-              <a:spcBef>
-                <a:spcPts val="3300"/>
-              </a:spcBef>
-              <a:buBlip>
-                <a:blip r:embed="rId2"/>
-              </a:buBlip>
-              <a:defRPr sz="3348"/>
-            </a:pPr>
-            <a:r>
-              <a:t>At Startup -&gt; App.ready</a:t>
-            </a:r>
-          </a:p>
-          <a:p>
-            <a:pPr lvl="1" marL="1062989" indent="-531494" defTabSz="425195">
-              <a:spcBef>
-                <a:spcPts val="3300"/>
-              </a:spcBef>
-              <a:buBlip>
-                <a:blip r:embed="rId2"/>
-              </a:buBlip>
-              <a:defRPr sz="3348"/>
-            </a:pPr>
-            <a:r>
-              <a:t>Menu Option</a:t>
-            </a:r>
-          </a:p>
-          <a:p>
-            <a:pPr lvl="1" marL="1062989" indent="-531494" defTabSz="425195">
-              <a:spcBef>
-                <a:spcPts val="3300"/>
-              </a:spcBef>
-              <a:buBlip>
-                <a:blip r:embed="rId2"/>
-              </a:buBlip>
-              <a:defRPr sz="3348"/>
-            </a:pPr>
-            <a:r>
-              <a:t>Continuously on some interval</a:t>
+            <a:pPr>
+              <a:defRPr sz="7200"/>
+            </a:pPr>
+            <a:r>
+              <a:t>THANK YOU!</a:t>
+            </a:r>
+          </a:p>
+          <a:p>
+            <a:pPr>
+              <a:defRPr sz="7200"/>
+            </a:pPr>
+            <a:r>
+              <a:t>QUESTIONS?</a:t>
+            </a:r>
+          </a:p>
+        </p:txBody>
+      </p:sp>
+      <p:sp>
+        <p:nvSpPr>
+          <p:cNvPr id="202" name="Please fill out the evaluation…"/>
+          <p:cNvSpPr txBox="1"/>
+          <p:nvPr/>
+        </p:nvSpPr>
+        <p:spPr>
+          <a:xfrm>
+            <a:off x="3626607" y="179820"/>
+            <a:ext cx="5751586" cy="1037360"/>
+          </a:xfrm>
+          <a:prstGeom prst="rect">
+            <a:avLst/>
+          </a:prstGeom>
+          <a:ln w="12700">
+            <a:miter lim="400000"/>
+          </a:ln>
+          <a:extLst>
+            <a:ext uri="{C572A759-6A51-4108-AA02-DFA0A04FC94B}">
+              <ma14:wrappingTextBoxFlag xmlns:ma14="http://schemas.microsoft.com/office/mac/drawingml/2011/main" val="1"/>
+            </a:ext>
+          </a:extLst>
+        </p:spPr>
+        <p:txBody>
+          <a:bodyPr wrap="none" lIns="50800" tIns="50800" rIns="50800" bIns="50800" anchor="ctr">
+            <a:spAutoFit/>
+          </a:bodyPr>
+          <a:lstStyle/>
+          <a:p>
+            <a:pPr defTabSz="584200">
+              <a:defRPr sz="2400"/>
+            </a:pPr>
+            <a:r>
+              <a:t>Please fill out the evaluation</a:t>
+            </a:r>
+          </a:p>
+          <a:p>
+            <a:pPr defTabSz="584200">
+              <a:defRPr sz="2400"/>
+            </a:pPr>
+            <a:r>
+              <a:rPr u="sng">
+                <a:hlinkClick r:id="rId4" invalidUrl="" action="" tgtFrame="" tooltip="" history="1" highlightClick="0" endSnd="0"/>
+              </a:rPr>
+              <a:t>indycode.amegala.com/Schedule</a:t>
             </a:r>
           </a:p>
         </p:txBody>
@@ -5658,7 +5747,7 @@
       </p:grpSpPr>
       <p:sp>
         <p:nvSpPr>
-          <p:cNvPr id="201" name="Updating"/>
+          <p:cNvPr id="204" name="Feature 1:  Live Reloads"/>
           <p:cNvSpPr txBox="1"/>
           <p:nvPr>
             <p:ph type="title"/>
@@ -5675,14 +5764,18 @@
           <a:p>
             <a:pPr/>
             <a:r>
-              <a:t>Updating</a:t>
-            </a:r>
-          </a:p>
-        </p:txBody>
-      </p:sp>
-      <p:sp>
-        <p:nvSpPr>
-          <p:cNvPr id="202" name="Normal Development lifecycle…"/>
+              <a:t>Feature 1: </a:t>
+            </a:r>
+            <a:br/>
+            <a:r>
+              <a:t>Live Reloads</a:t>
+            </a:r>
+          </a:p>
+        </p:txBody>
+      </p:sp>
+      <p:sp>
+        <p:nvSpPr>
+          <p:cNvPr id="205" name="instead of always stopping and starting…"/>
           <p:cNvSpPr txBox="1"/>
           <p:nvPr>
             <p:ph type="body" idx="1"/>
@@ -5697,13 +5790,39 @@
           <a:bodyPr/>
           <a:lstStyle/>
           <a:p>
+            <a:pPr marL="571499" indent="-571499">
+              <a:buBlip>
+                <a:blip r:embed="rId2"/>
+              </a:buBlip>
+              <a:defRPr sz="2800"/>
+            </a:pPr>
+            <a:r>
+              <a:t>instead of always stopping and starting</a:t>
+            </a:r>
+          </a:p>
+          <a:p>
+            <a:pPr marL="734785" indent="-734785">
+              <a:buBlip>
+                <a:blip r:embed="rId2"/>
+              </a:buBlip>
+              <a:defRPr sz="2800"/>
+            </a:pPr>
+            <a:r>
+              <a:rPr sz="3600"/>
+              <a:t> </a:t>
+            </a:r>
+            <a:r>
+              <a:t>npm install --save-dev electron-reload</a:t>
+            </a:r>
+          </a:p>
+          <a:p>
             <a:pPr>
               <a:buBlip>
                 <a:blip r:embed="rId2"/>
               </a:buBlip>
             </a:pPr>
             <a:r>
-              <a:t>Normal Development lifecycle </a:t>
+              <a:t>reloads browser as updates occur</a:t>
             </a:r>
           </a:p>
           <a:p>
@@ -5713,17 +5832,7 @@
               </a:buBlip>
             </a:pPr>
             <a:r>
-              <a:t>When Ready Publish to location being checked</a:t>
-            </a:r>
-          </a:p>
-          <a:p>
-            <a:pPr>
-              <a:buBlip>
-                <a:blip r:embed="rId2"/>
-              </a:buBlip>
-            </a:pPr>
-            <a:r>
-              <a:t>Voila! If coded right, user will be prompted or automatically updated</a:t>
+              <a:t>Note: When deploying app comment out live reload code</a:t>
             </a:r>
           </a:p>
         </p:txBody>
@@ -5756,7 +5865,7 @@
       </p:grpSpPr>
       <p:sp>
         <p:nvSpPr>
-          <p:cNvPr id="204" name="Quick Review"/>
+          <p:cNvPr id="207" name="Feature 2: Debugging"/>
           <p:cNvSpPr txBox="1"/>
           <p:nvPr>
             <p:ph type="title"/>
@@ -5773,14 +5882,18 @@
           <a:p>
             <a:pPr/>
             <a:r>
-              <a:t>Quick Review</a:t>
-            </a:r>
-          </a:p>
-        </p:txBody>
-      </p:sp>
-      <p:sp>
-        <p:nvSpPr>
-          <p:cNvPr id="205" name="What is Electron?…"/>
+              <a:t>Feature 2:</a:t>
+            </a:r>
+            <a:br/>
+            <a:r>
+              <a:t>Debugging</a:t>
+            </a:r>
+          </a:p>
+        </p:txBody>
+      </p:sp>
+      <p:sp>
+        <p:nvSpPr>
+          <p:cNvPr id="208" name="Console.log will work in Electron…"/>
           <p:cNvSpPr txBox="1"/>
           <p:nvPr>
             <p:ph type="body" idx="1"/>
@@ -5801,7 +5914,7 @@
               </a:buBlip>
             </a:pPr>
             <a:r>
-              <a:t>What is Electron?</a:t>
+              <a:t>Console.log will work in Electron</a:t>
             </a:r>
           </a:p>
           <a:p>
@@ -5811,7 +5924,7 @@
               </a:buBlip>
             </a:pPr>
             <a:r>
-              <a:t>Creating an Application</a:t>
+              <a:t>Main process goes to terminal running application</a:t>
             </a:r>
           </a:p>
           <a:p>
@@ -5821,27 +5934,7 @@
               </a:buBlip>
             </a:pPr>
             <a:r>
-              <a:t>Live Reload</a:t>
-            </a:r>
-          </a:p>
-          <a:p>
-            <a:pPr>
-              <a:buBlip>
-                <a:blip r:embed="rId2"/>
-              </a:buBlip>
-            </a:pPr>
-            <a:r>
-              <a:t>Keyboard Shortcuts</a:t>
-            </a:r>
-          </a:p>
-          <a:p>
-            <a:pPr>
-              <a:buBlip>
-                <a:blip r:embed="rId2"/>
-              </a:buBlip>
-            </a:pPr>
-            <a:r>
-              <a:t>Packaging | Code Signing | Updating</a:t>
+              <a:t>renderer process goes to browser window console</a:t>
             </a:r>
           </a:p>
         </p:txBody>
@@ -5874,7 +5967,7 @@
       </p:grpSpPr>
       <p:sp>
         <p:nvSpPr>
-          <p:cNvPr id="207" name="Packages Used"/>
+          <p:cNvPr id="210" name="Feature 3:  Keyboard Shortcuts"/>
           <p:cNvSpPr txBox="1"/>
           <p:nvPr>
             <p:ph type="title"/>
@@ -5891,14 +5984,18 @@
           <a:p>
             <a:pPr/>
             <a:r>
-              <a:t>Packages Used</a:t>
-            </a:r>
-          </a:p>
-        </p:txBody>
-      </p:sp>
-      <p:sp>
-        <p:nvSpPr>
-          <p:cNvPr id="208" name="electron…"/>
+              <a:t>Feature 3: </a:t>
+            </a:r>
+            <a:br/>
+            <a:r>
+              <a:t>Keyboard Shortcuts</a:t>
+            </a:r>
+          </a:p>
+        </p:txBody>
+      </p:sp>
+      <p:sp>
+        <p:nvSpPr>
+          <p:cNvPr id="211" name="KeyBoard Shortcuts……"/>
           <p:cNvSpPr txBox="1"/>
           <p:nvPr>
             <p:ph type="body" idx="1"/>
@@ -5919,7 +6016,7 @@
               </a:buBlip>
             </a:pPr>
             <a:r>
-              <a:t>electron</a:t>
+              <a:t>KeyBoard Shortcuts… </a:t>
             </a:r>
           </a:p>
           <a:p>
@@ -5929,7 +6026,7 @@
               </a:buBlip>
             </a:pPr>
             <a:r>
-              <a:t>electron-builder</a:t>
+              <a:t>modify main.js and put some listeners for certain events… </a:t>
             </a:r>
           </a:p>
           <a:p>
@@ -5939,27 +6036,7 @@
               </a:buBlip>
             </a:pPr>
             <a:r>
-              <a:t>electron-reload</a:t>
-            </a:r>
-          </a:p>
-          <a:p>
-            <a:pPr>
-              <a:buBlip>
-                <a:blip r:embed="rId2"/>
-              </a:buBlip>
-            </a:pPr>
-            <a:r>
-              <a:t>electron-log</a:t>
-            </a:r>
-          </a:p>
-          <a:p>
-            <a:pPr>
-              <a:buBlip>
-                <a:blip r:embed="rId2"/>
-              </a:buBlip>
-            </a:pPr>
-            <a:r>
-              <a:t>electron-updater</a:t>
+              <a:t>Let’s make DevTools CmdOrCtrl+D</a:t>
             </a:r>
           </a:p>
         </p:txBody>
@@ -5992,17 +6069,13 @@
       </p:grpSpPr>
       <p:sp>
         <p:nvSpPr>
-          <p:cNvPr id="210" name="Helpful Links"/>
+          <p:cNvPr id="213" name="// Open the DevTools.…"/>
           <p:cNvSpPr txBox="1"/>
           <p:nvPr>
-            <p:ph type="title"/>
-          </p:nvPr>
-        </p:nvSpPr>
-        <p:spPr>
-          <a:xfrm>
-            <a:off x="1270000" y="203200"/>
-            <a:ext cx="10464800" cy="1317924"/>
-          </a:xfrm>
+            <p:ph type="body" idx="1"/>
+          </p:nvPr>
+        </p:nvSpPr>
+        <p:spPr>
           <a:prstGeom prst="rect">
             <a:avLst/>
           </a:prstGeom>
@@ -6011,83 +6084,111 @@
           <a:bodyPr/>
           <a:lstStyle/>
           <a:p>
-            <a:pPr/>
-            <a:r>
-              <a:t>Helpful Links</a:t>
-            </a:r>
-          </a:p>
-        </p:txBody>
-      </p:sp>
-      <p:sp>
-        <p:nvSpPr>
-          <p:cNvPr id="211" name="https://nodejs.org/…"/>
-          <p:cNvSpPr txBox="1"/>
-          <p:nvPr>
-            <p:ph type="body" idx="1"/>
-          </p:nvPr>
-        </p:nvSpPr>
-        <p:spPr>
-          <a:xfrm>
-            <a:off x="1270000" y="1786970"/>
-            <a:ext cx="10464800" cy="6722030"/>
-          </a:xfrm>
-          <a:prstGeom prst="rect">
-            <a:avLst/>
-          </a:prstGeom>
-        </p:spPr>
-        <p:txBody>
-          <a:bodyPr/>
-          <a:lstStyle/>
-          <a:p>
-            <a:pPr>
-              <a:buBlip>
-                <a:blip r:embed="rId2"/>
-              </a:buBlip>
-            </a:pPr>
-            <a:r>
-              <a:rPr u="sng">
-                <a:hlinkClick r:id="rId3" invalidUrl="" action="" tgtFrame="" tooltip="" history="1" highlightClick="0" endSnd="0"/>
+            <a:pPr marL="0" indent="0">
+              <a:buSzTx/>
+              <a:buNone/>
+              <a:defRPr sz="2800"/>
+            </a:pPr>
+            <a:r>
+              <a:t>// Open the DevTools.</a:t>
+            </a:r>
+          </a:p>
+          <a:p>
+            <a:pPr marL="0" indent="0">
+              <a:buSzTx/>
+              <a:buNone/>
+              <a:defRPr sz="2800"/>
+            </a:pPr>
+            <a:r>
+              <a:rPr>
+                <a:solidFill>
+                  <a:schemeClr val="accent3"/>
+                </a:solidFill>
               </a:rPr>
-              <a:t>https://nodejs.org/</a:t>
-            </a:r>
-          </a:p>
-          <a:p>
-            <a:pPr>
-              <a:buBlip>
-                <a:blip r:embed="rId2"/>
-              </a:buBlip>
-            </a:pPr>
-            <a:r>
-              <a:rPr u="sng">
-                <a:hlinkClick r:id="rId4" invalidUrl="" action="" tgtFrame="" tooltip="" history="1" highlightClick="0" endSnd="0"/>
+              <a:t>globalShortcut.register('CmdOrCtrl+D'</a:t>
+            </a:r>
+            <a:r>
+              <a:t>, </a:t>
+            </a:r>
+            <a:r>
+              <a:rPr>
+                <a:solidFill>
+                  <a:schemeClr val="accent6"/>
+                </a:solidFill>
               </a:rPr>
-              <a:t>https://electronjs.org/</a:t>
-            </a:r>
-          </a:p>
-          <a:p>
-            <a:pPr>
-              <a:buBlip>
-                <a:blip r:embed="rId2"/>
-              </a:buBlip>
-            </a:pPr>
-            <a:r>
-              <a:rPr u="sng">
-                <a:hlinkClick r:id="rId5" invalidUrl="" action="" tgtFrame="" tooltip="" history="1" highlightClick="0" endSnd="0"/>
+              <a:t>() =&gt; {</a:t>
+            </a:r>
+            <a:endParaRPr>
+              <a:solidFill>
+                <a:schemeClr val="accent6"/>
+              </a:solidFill>
+            </a:endParaRPr>
+          </a:p>
+          <a:p>
+            <a:pPr marL="0" indent="0">
+              <a:buSzTx/>
+              <a:buNone/>
+              <a:defRPr sz="2800">
+                <a:solidFill>
+                  <a:schemeClr val="accent6"/>
+                </a:solidFill>
+              </a:defRPr>
+            </a:pPr>
+            <a:r>
+              <a:t>  win.webContents.openDevTools()</a:t>
+            </a:r>
+          </a:p>
+          <a:p>
+            <a:pPr marL="0" indent="0">
+              <a:buSzTx/>
+              <a:buNone/>
+              <a:defRPr sz="2800"/>
+            </a:pPr>
+            <a:r>
+              <a:rPr>
+                <a:solidFill>
+                  <a:schemeClr val="accent6"/>
+                </a:solidFill>
               </a:rPr>
-              <a:t>https://code.visualstudio.com/</a:t>
-            </a:r>
-          </a:p>
-          <a:p>
-            <a:pPr>
-              <a:buBlip>
-                <a:blip r:embed="rId2"/>
-              </a:buBlip>
-            </a:pPr>
-            <a:r>
-              <a:rPr u="sng">
-                <a:hlinkClick r:id="rId6" invalidUrl="" action="" tgtFrame="" tooltip="" history="1" highlightClick="0" endSnd="0"/>
-              </a:rPr>
-              <a:t>https://docs.npmjs.com/files/package-lock.json</a:t>
+              <a:t>}</a:t>
+            </a:r>
+            <a:r>
+              <a:t>)</a:t>
+            </a:r>
+          </a:p>
+          <a:p>
+            <a:pPr marL="0" indent="0">
+              <a:buSzTx/>
+              <a:buNone/>
+              <a:defRPr sz="2800"/>
+            </a:pPr>
+          </a:p>
+          <a:p>
+            <a:pPr marL="0" indent="0">
+              <a:buSzTx/>
+              <a:buNone/>
+              <a:defRPr sz="2800">
+                <a:solidFill>
+                  <a:schemeClr val="accent3"/>
+                </a:solidFill>
+              </a:defRPr>
+            </a:pPr>
+            <a:r>
+              <a:t>registering the key</a:t>
+            </a:r>
+          </a:p>
+          <a:p>
+            <a:pPr marL="0" indent="0">
+              <a:buSzTx/>
+              <a:buNone/>
+              <a:defRPr sz="2800">
+                <a:solidFill>
+                  <a:schemeClr val="accent6"/>
+                </a:solidFill>
+              </a:defRPr>
+            </a:pPr>
+            <a:r>
+              <a:t>event handler when key pressed</a:t>
             </a:r>
           </a:p>
         </p:txBody>
@@ -6185,7 +6286,7 @@
               </a:buBlip>
             </a:pPr>
             <a:r>
-              <a:t>Features</a:t>
+              <a:t>Packaging | Code Signing | Updating</a:t>
             </a:r>
           </a:p>
           <a:p>
@@ -6195,123 +6296,7 @@
               </a:buBlip>
             </a:pPr>
             <a:r>
-              <a:t>Packaging | Code Signing | Updating</a:t>
-            </a:r>
-          </a:p>
-        </p:txBody>
-      </p:sp>
-    </p:spTree>
-  </p:cSld>
-  <p:clrMapOvr>
-    <a:masterClrMapping/>
-  </p:clrMapOvr>
-  <p:transition xmlns:p14="http://schemas.microsoft.com/office/powerpoint/2010/main" spd="med" advClick="1"/>
-</p:sld>
-</file>
-
-<file path=ppt/slides/slide30.xml><?xml version="1.0" encoding="utf-8"?>
-<p:sld xmlns:a="http://schemas.openxmlformats.org/drawingml/2006/main" xmlns:r="http://schemas.openxmlformats.org/officeDocument/2006/relationships" xmlns:p="http://schemas.openxmlformats.org/presentationml/2006/main" xmlns:m="http://schemas.openxmlformats.org/officeDocument/2006/math" xmlns:a14="http://schemas.microsoft.com/office/drawing/2010/main" showMasterSp="1" showMasterPhAnim="1">
-  <p:cSld>
-    <p:spTree>
-      <p:nvGrpSpPr>
-        <p:cNvPr id="1" name=""/>
-        <p:cNvGrpSpPr/>
-        <p:nvPr/>
-      </p:nvGrpSpPr>
-      <p:grpSpPr>
-        <a:xfrm>
-          <a:off x="0" y="0"/>
-          <a:ext cx="0" cy="0"/>
-          <a:chOff x="0" y="0"/>
-          <a:chExt cx="0" cy="0"/>
-        </a:xfrm>
-      </p:grpSpPr>
-      <p:sp>
-        <p:nvSpPr>
-          <p:cNvPr id="213" name="Victor J. Pudelski…"/>
-          <p:cNvSpPr txBox="1"/>
-          <p:nvPr>
-            <p:ph type="body" idx="13"/>
-          </p:nvPr>
-        </p:nvSpPr>
-        <p:spPr>
-          <a:xfrm>
-            <a:off x="1270000" y="6362700"/>
-            <a:ext cx="10464800" cy="1977159"/>
-          </a:xfrm>
-          <a:prstGeom prst="rect">
-            <a:avLst/>
-          </a:prstGeom>
-        </p:spPr>
-        <p:txBody>
-          <a:bodyPr/>
-          <a:lstStyle/>
-          <a:p>
-            <a:pPr algn="l"/>
-            <a:r>
-              <a:t>Victor J. Pudelski</a:t>
-            </a:r>
-          </a:p>
-          <a:p>
-            <a:pPr algn="l"/>
-            <a:r>
-              <a:rPr u="sng">
-                <a:hlinkClick r:id="rId2" invalidUrl="" action="" tgtFrame="" tooltip="" history="1" highlightClick="0" endSnd="0"/>
-              </a:rPr>
-              <a:t>vpudelski@nextlinksoftware.com</a:t>
-            </a:r>
-          </a:p>
-          <a:p>
-            <a:pPr algn="l"/>
-            <a:r>
-              <a:t>@vjpudelski on twitter</a:t>
-            </a:r>
-          </a:p>
-          <a:p>
-            <a:pPr algn="l"/>
-            <a:r>
-              <a:rPr u="sng">
-                <a:hlinkClick r:id="rId3" invalidUrl="" action="" tgtFrame="" tooltip="" history="1" highlightClick="0" endSnd="0"/>
-              </a:rPr>
-              <a:t>www.gitfetchvictor.com</a:t>
-            </a:r>
-          </a:p>
-        </p:txBody>
-      </p:sp>
-      <p:sp>
-        <p:nvSpPr>
-          <p:cNvPr id="214" name="THANK YOU!…"/>
-          <p:cNvSpPr txBox="1"/>
-          <p:nvPr>
-            <p:ph type="body" idx="14"/>
-          </p:nvPr>
-        </p:nvSpPr>
-        <p:spPr>
-          <a:xfrm>
-            <a:off x="1270000" y="2076162"/>
-            <a:ext cx="10464800" cy="2731076"/>
-          </a:xfrm>
-          <a:prstGeom prst="rect">
-            <a:avLst/>
-          </a:prstGeom>
-        </p:spPr>
-        <p:txBody>
-          <a:bodyPr/>
-          <a:lstStyle/>
-          <a:p>
-            <a:pPr>
-              <a:defRPr sz="7200"/>
-            </a:pPr>
-            <a:r>
-              <a:t>THANK YOU!</a:t>
-            </a:r>
-          </a:p>
-          <a:p>
-            <a:pPr>
-              <a:defRPr sz="7200"/>
-            </a:pPr>
-            <a:r>
-              <a:t>QUESTIONS?</a:t>
+              <a:t>Features (as time permits)</a:t>
             </a:r>
           </a:p>
         </p:txBody>
